--- a/Lecture/NMClec03ArrayStringandPointerSubash_206dac1c-915f-473a-bfae-155e4fd0aba0_89729_.pptx
+++ b/Lecture/NMClec03ArrayStringandPointerSubash_206dac1c-915f-473a-bfae-155e4fd0aba0_89729_.pptx
@@ -42,18 +42,11 @@
   <p:notesSz cx="6858000" cy="9144000"/>
   <p:embeddedFontLst>
     <p:embeddedFont>
-      <p:font typeface="Calibri" panose="020F0502020204030204" pitchFamily="34" charset="0"/>
+      <p:font typeface="Montserrat" panose="00000500000000000000" pitchFamily="2" charset="0"/>
       <p:regular r:id="rId32"/>
       <p:bold r:id="rId33"/>
       <p:italic r:id="rId34"/>
       <p:boldItalic r:id="rId35"/>
-    </p:embeddedFont>
-    <p:embeddedFont>
-      <p:font typeface="Montserrat" panose="00000500000000000000" pitchFamily="2" charset="0"/>
-      <p:regular r:id="rId36"/>
-      <p:bold r:id="rId37"/>
-      <p:italic r:id="rId38"/>
-      <p:boldItalic r:id="rId39"/>
     </p:embeddedFont>
   </p:embeddedFontLst>
   <p:defaultTextStyle>
@@ -294,14 +287,6 @@
     </p:ext>
   </p:extLst>
 </p:presentation>
-</file>
-
-<file path=ppt/revisionInfo.xml><?xml version="1.0" encoding="utf-8"?>
-<p1510:revInfo xmlns:a="http://schemas.openxmlformats.org/drawingml/2006/main" xmlns:r="http://schemas.openxmlformats.org/officeDocument/2006/relationships" xmlns:p1510="http://schemas.microsoft.com/office/powerpoint/2015/10/main">
-  <p1510:revLst>
-    <p1510:client id="{C7D751AC-0A9D-41B0-8EA3-78AADD00CD81}" v="170" dt="2023-12-04T04:11:13.860"/>
-  </p1510:revLst>
-</p1510:revInfo>
 </file>
 
 <file path=ppt/changesInfos/changesInfo1.xml><?xml version="1.0" encoding="utf-8"?>
@@ -3108,6 +3093,45 @@
     </pc:docChg>
   </pc:docChgLst>
   <pc:docChgLst>
+    <pc:chgData name="Shah, Sumit" userId="5bfdb72b-a572-4577-ab55-70d3c28ab583" providerId="ADAL" clId="{6CCF598D-D7BC-43B9-82D3-3EFBF4621A10}"/>
+    <pc:docChg chg="modSld">
+      <pc:chgData name="Shah, Sumit" userId="5bfdb72b-a572-4577-ab55-70d3c28ab583" providerId="ADAL" clId="{6CCF598D-D7BC-43B9-82D3-3EFBF4621A10}" dt="2024-01-12T08:08:28.857" v="1" actId="1036"/>
+      <pc:docMkLst>
+        <pc:docMk/>
+      </pc:docMkLst>
+      <pc:sldChg chg="modSp mod">
+        <pc:chgData name="Shah, Sumit" userId="5bfdb72b-a572-4577-ab55-70d3c28ab583" providerId="ADAL" clId="{6CCF598D-D7BC-43B9-82D3-3EFBF4621A10}" dt="2024-01-12T08:08:28.857" v="1" actId="1036"/>
+        <pc:sldMkLst>
+          <pc:docMk/>
+          <pc:sldMk cId="0" sldId="260"/>
+        </pc:sldMkLst>
+        <pc:picChg chg="mod">
+          <ac:chgData name="Shah, Sumit" userId="5bfdb72b-a572-4577-ab55-70d3c28ab583" providerId="ADAL" clId="{6CCF598D-D7BC-43B9-82D3-3EFBF4621A10}" dt="2024-01-12T08:08:28.857" v="1" actId="1036"/>
+          <ac:picMkLst>
+            <pc:docMk/>
+            <pc:sldMk cId="0" sldId="260"/>
+            <ac:picMk id="4" creationId="{23C27722-40B6-3401-81FD-6D6FEBD04734}"/>
+          </ac:picMkLst>
+        </pc:picChg>
+      </pc:sldChg>
+      <pc:sldChg chg="modSp mod">
+        <pc:chgData name="Shah, Sumit" userId="5bfdb72b-a572-4577-ab55-70d3c28ab583" providerId="ADAL" clId="{6CCF598D-D7BC-43B9-82D3-3EFBF4621A10}" dt="2024-01-12T07:06:11.743" v="0" actId="1038"/>
+        <pc:sldMkLst>
+          <pc:docMk/>
+          <pc:sldMk cId="4003243439" sldId="297"/>
+        </pc:sldMkLst>
+        <pc:spChg chg="mod">
+          <ac:chgData name="Shah, Sumit" userId="5bfdb72b-a572-4577-ab55-70d3c28ab583" providerId="ADAL" clId="{6CCF598D-D7BC-43B9-82D3-3EFBF4621A10}" dt="2024-01-12T07:06:11.743" v="0" actId="1038"/>
+          <ac:spMkLst>
+            <pc:docMk/>
+            <pc:sldMk cId="4003243439" sldId="297"/>
+            <ac:spMk id="2" creationId="{62342169-D768-8114-741F-7A31B46BAB6B}"/>
+          </ac:spMkLst>
+        </pc:spChg>
+      </pc:sldChg>
+    </pc:docChg>
+  </pc:docChgLst>
+  <pc:docChgLst>
     <pc:chgData name="Subash Khatiwada" userId="82ebb907-69e0-4888-9ca7-a664fef6b159" providerId="ADAL" clId="{C7D751AC-0A9D-41B0-8EA3-78AADD00CD81}"/>
     <pc:docChg chg="undo custSel addSld modSld">
       <pc:chgData name="Subash Khatiwada" userId="82ebb907-69e0-4888-9ca7-a664fef6b159" providerId="ADAL" clId="{C7D751AC-0A9D-41B0-8EA3-78AADD00CD81}" dt="2023-12-04T04:11:13.860" v="501" actId="113"/>
@@ -32692,7 +32716,7 @@
         </p:nvSpPr>
         <p:spPr>
           <a:xfrm>
-            <a:off x="839788" y="355600"/>
+            <a:off x="852145" y="355600"/>
             <a:ext cx="11158248" cy="1325563"/>
           </a:xfrm>
         </p:spPr>
@@ -33006,7 +33030,7 @@
               <a:t>Syntax: </a:t>
             </a:r>
             <a:r>
-              <a:rPr lang="en-US"/>
+              <a:rPr lang="en-US" dirty="0" err="1"/>
               <a:t>datytype</a:t>
             </a:r>
             <a:r>
@@ -39379,7 +39403,7 @@
         </p:blipFill>
         <p:spPr>
           <a:xfrm>
-            <a:off x="3718313" y="2343151"/>
+            <a:off x="3718313" y="2355508"/>
             <a:ext cx="7214556" cy="1085849"/>
           </a:xfrm>
           <a:prstGeom prst="rect">
